--- a/kopo04_PlayGround_ppt.pptx
+++ b/kopo04_PlayGround_ppt.pptx
@@ -17,6 +17,14 @@
     <p:sldId id="265" r:id="rId11"/>
     <p:sldId id="266" r:id="rId12"/>
     <p:sldId id="267" r:id="rId13"/>
+    <p:sldId id="269" r:id="rId14"/>
+    <p:sldId id="268" r:id="rId15"/>
+    <p:sldId id="270" r:id="rId16"/>
+    <p:sldId id="271" r:id="rId17"/>
+    <p:sldId id="272" r:id="rId18"/>
+    <p:sldId id="273" r:id="rId19"/>
+    <p:sldId id="274" r:id="rId20"/>
+    <p:sldId id="275" r:id="rId21"/>
   </p:sldIdLst>
   <p:sldSz cx="12192000" cy="6858000"/>
   <p:notesSz cx="6858000" cy="9144000"/>
@@ -115,6 +123,11 @@
       </a:defRPr>
     </a:lvl9pPr>
   </p:defaultTextStyle>
+  <p:extLst>
+    <p:ext uri="{EFAFB233-063F-42B5-8137-9DF3F51BA10A}">
+      <p15:sldGuideLst xmlns:p15="http://schemas.microsoft.com/office/powerpoint/2012/main"/>
+    </p:ext>
+  </p:extLst>
 </p:presentation>
 </file>
 
@@ -6202,6 +6215,1136 @@
 </p:sld>
 </file>
 
+<file path=ppt/slides/slide13.xml><?xml version="1.0" encoding="utf-8"?>
+<p:sld xmlns:a="http://schemas.openxmlformats.org/drawingml/2006/main" xmlns:r="http://schemas.openxmlformats.org/officeDocument/2006/relationships" xmlns:p="http://schemas.openxmlformats.org/presentationml/2006/main">
+  <p:cSld>
+    <p:spTree>
+      <p:nvGrpSpPr>
+        <p:cNvPr id="1" name=""/>
+        <p:cNvGrpSpPr/>
+        <p:nvPr/>
+      </p:nvGrpSpPr>
+      <p:grpSpPr>
+        <a:xfrm>
+          <a:off x="0" y="0"/>
+          <a:ext cx="0" cy="0"/>
+          <a:chOff x="0" y="0"/>
+          <a:chExt cx="0" cy="0"/>
+        </a:xfrm>
+      </p:grpSpPr>
+      <p:sp>
+        <p:nvSpPr>
+          <p:cNvPr id="2" name="제목 1"/>
+          <p:cNvSpPr>
+            <a:spLocks noGrp="1"/>
+          </p:cNvSpPr>
+          <p:nvPr>
+            <p:ph type="title"/>
+          </p:nvPr>
+        </p:nvSpPr>
+        <p:spPr/>
+        <p:txBody>
+          <a:bodyPr/>
+          <a:lstStyle/>
+          <a:p>
+            <a:r>
+              <a:rPr lang="ko-KR" altLang="en-US" smtClean="0"/>
+              <a:t>매출분석 클래스 구성</a:t>
+            </a:r>
+            <a:endParaRPr lang="ko-KR" altLang="en-US"/>
+          </a:p>
+        </p:txBody>
+      </p:sp>
+      <p:sp>
+        <p:nvSpPr>
+          <p:cNvPr id="3" name="내용 개체 틀 2"/>
+          <p:cNvSpPr>
+            <a:spLocks noGrp="1"/>
+          </p:cNvSpPr>
+          <p:nvPr>
+            <p:ph idx="1"/>
+          </p:nvPr>
+        </p:nvSpPr>
+        <p:spPr/>
+        <p:txBody>
+          <a:bodyPr/>
+          <a:lstStyle/>
+          <a:p>
+            <a:r>
+              <a:rPr lang="en-US" altLang="ko-KR" smtClean="0"/>
+              <a:t>1) ConstValueClass</a:t>
+            </a:r>
+          </a:p>
+          <a:p>
+            <a:r>
+              <a:rPr lang="en-US" altLang="ko-KR" smtClean="0"/>
+              <a:t>2) ReadCSV</a:t>
+            </a:r>
+          </a:p>
+          <a:p>
+            <a:r>
+              <a:rPr lang="en-US" altLang="ko-KR" smtClean="0"/>
+              <a:t>3) OutputClass</a:t>
+            </a:r>
+          </a:p>
+          <a:p>
+            <a:r>
+              <a:rPr lang="en-US" altLang="ko-KR" smtClean="0"/>
+              <a:t>4) Main</a:t>
+            </a:r>
+            <a:endParaRPr lang="ko-KR" altLang="en-US"/>
+          </a:p>
+        </p:txBody>
+      </p:sp>
+    </p:spTree>
+    <p:extLst>
+      <p:ext uri="{BB962C8B-B14F-4D97-AF65-F5344CB8AC3E}">
+        <p14:creationId xmlns:p14="http://schemas.microsoft.com/office/powerpoint/2010/main" val="2573794601"/>
+      </p:ext>
+    </p:extLst>
+  </p:cSld>
+  <p:clrMapOvr>
+    <a:masterClrMapping/>
+  </p:clrMapOvr>
+  <p:timing>
+    <p:tnLst>
+      <p:par>
+        <p:cTn id="1" dur="indefinite" restart="never" nodeType="tmRoot"/>
+      </p:par>
+    </p:tnLst>
+  </p:timing>
+</p:sld>
+</file>
+
+<file path=ppt/slides/slide14.xml><?xml version="1.0" encoding="utf-8"?>
+<p:sld xmlns:a="http://schemas.openxmlformats.org/drawingml/2006/main" xmlns:r="http://schemas.openxmlformats.org/officeDocument/2006/relationships" xmlns:p="http://schemas.openxmlformats.org/presentationml/2006/main">
+  <p:cSld>
+    <p:spTree>
+      <p:nvGrpSpPr>
+        <p:cNvPr id="1" name=""/>
+        <p:cNvGrpSpPr/>
+        <p:nvPr/>
+      </p:nvGrpSpPr>
+      <p:grpSpPr>
+        <a:xfrm>
+          <a:off x="0" y="0"/>
+          <a:ext cx="0" cy="0"/>
+          <a:chOff x="0" y="0"/>
+          <a:chExt cx="0" cy="0"/>
+        </a:xfrm>
+      </p:grpSpPr>
+      <p:sp>
+        <p:nvSpPr>
+          <p:cNvPr id="3" name="내용 개체 틀 2"/>
+          <p:cNvSpPr>
+            <a:spLocks noGrp="1"/>
+          </p:cNvSpPr>
+          <p:nvPr>
+            <p:ph idx="1"/>
+          </p:nvPr>
+        </p:nvSpPr>
+        <p:spPr>
+          <a:xfrm>
+            <a:off x="7896225" y="2755392"/>
+            <a:ext cx="3813048" cy="3597405"/>
+          </a:xfrm>
+        </p:spPr>
+        <p:txBody>
+          <a:bodyPr/>
+          <a:lstStyle/>
+          <a:p>
+            <a:r>
+              <a:rPr lang="ko-KR" altLang="en-US" smtClean="0"/>
+              <a:t>읽어올 </a:t>
+            </a:r>
+            <a:r>
+              <a:rPr lang="en-US" altLang="ko-KR" smtClean="0"/>
+              <a:t>csv </a:t>
+            </a:r>
+            <a:r>
+              <a:rPr lang="ko-KR" altLang="en-US" smtClean="0"/>
+              <a:t>저장경로 </a:t>
+            </a:r>
+            <a:r>
+              <a:rPr lang="en-US" altLang="ko-KR" smtClean="0"/>
+              <a:t>, </a:t>
+            </a:r>
+            <a:r>
+              <a:rPr lang="ko-KR" altLang="en-US" smtClean="0"/>
+              <a:t>새로 저장할 </a:t>
+            </a:r>
+            <a:r>
+              <a:rPr lang="en-US" altLang="ko-KR" smtClean="0"/>
+              <a:t>csv</a:t>
+            </a:r>
+            <a:r>
+              <a:rPr lang="ko-KR" altLang="en-US" smtClean="0"/>
+              <a:t>저장경로 </a:t>
+            </a:r>
+            <a:r>
+              <a:rPr lang="en-US" altLang="ko-KR" smtClean="0"/>
+              <a:t>, Class</a:t>
+            </a:r>
+            <a:r>
+              <a:rPr lang="ko-KR" altLang="en-US" smtClean="0"/>
+              <a:t>내에서 사용할 문자열이 저장되어 있다</a:t>
+            </a:r>
+            <a:r>
+              <a:rPr lang="en-US" altLang="ko-KR" smtClean="0"/>
+              <a:t>.</a:t>
+            </a:r>
+            <a:endParaRPr lang="ko-KR" altLang="en-US"/>
+          </a:p>
+        </p:txBody>
+      </p:sp>
+      <p:sp>
+        <p:nvSpPr>
+          <p:cNvPr id="4" name="TextBox 3"/>
+          <p:cNvSpPr txBox="1"/>
+          <p:nvPr/>
+        </p:nvSpPr>
+        <p:spPr>
+          <a:xfrm>
+            <a:off x="4286250" y="868680"/>
+            <a:ext cx="7219950" cy="707886"/>
+          </a:xfrm>
+          <a:prstGeom prst="rect">
+            <a:avLst/>
+          </a:prstGeom>
+          <a:noFill/>
+        </p:spPr>
+        <p:txBody>
+          <a:bodyPr wrap="square" rtlCol="0">
+            <a:spAutoFit/>
+          </a:bodyPr>
+          <a:lstStyle/>
+          <a:p>
+            <a:pPr algn="r"/>
+            <a:r>
+              <a:rPr lang="en-US" altLang="ko-KR" sz="4000" smtClean="0"/>
+              <a:t>ConstValueClass</a:t>
+            </a:r>
+            <a:endParaRPr lang="ko-KR" altLang="en-US" sz="4000"/>
+          </a:p>
+        </p:txBody>
+      </p:sp>
+      <p:pic>
+        <p:nvPicPr>
+          <p:cNvPr id="5" name="그림 4"/>
+          <p:cNvPicPr>
+            <a:picLocks noChangeAspect="1"/>
+          </p:cNvPicPr>
+          <p:nvPr/>
+        </p:nvPicPr>
+        <p:blipFill>
+          <a:blip r:embed="rId2"/>
+          <a:stretch>
+            <a:fillRect/>
+          </a:stretch>
+        </p:blipFill>
+        <p:spPr>
+          <a:xfrm>
+            <a:off x="227904" y="2755392"/>
+            <a:ext cx="7286575" cy="1926336"/>
+          </a:xfrm>
+          <a:prstGeom prst="rect">
+            <a:avLst/>
+          </a:prstGeom>
+        </p:spPr>
+      </p:pic>
+    </p:spTree>
+    <p:extLst>
+      <p:ext uri="{BB962C8B-B14F-4D97-AF65-F5344CB8AC3E}">
+        <p14:creationId xmlns:p14="http://schemas.microsoft.com/office/powerpoint/2010/main" val="1696431923"/>
+      </p:ext>
+    </p:extLst>
+  </p:cSld>
+  <p:clrMapOvr>
+    <a:masterClrMapping/>
+  </p:clrMapOvr>
+  <p:timing>
+    <p:tnLst>
+      <p:par>
+        <p:cTn id="1" dur="indefinite" restart="never" nodeType="tmRoot"/>
+      </p:par>
+    </p:tnLst>
+  </p:timing>
+</p:sld>
+</file>
+
+<file path=ppt/slides/slide15.xml><?xml version="1.0" encoding="utf-8"?>
+<p:sld xmlns:a="http://schemas.openxmlformats.org/drawingml/2006/main" xmlns:r="http://schemas.openxmlformats.org/officeDocument/2006/relationships" xmlns:p="http://schemas.openxmlformats.org/presentationml/2006/main">
+  <p:cSld>
+    <p:spTree>
+      <p:nvGrpSpPr>
+        <p:cNvPr id="1" name=""/>
+        <p:cNvGrpSpPr/>
+        <p:nvPr/>
+      </p:nvGrpSpPr>
+      <p:grpSpPr>
+        <a:xfrm>
+          <a:off x="0" y="0"/>
+          <a:ext cx="0" cy="0"/>
+          <a:chOff x="0" y="0"/>
+          <a:chExt cx="0" cy="0"/>
+        </a:xfrm>
+      </p:grpSpPr>
+      <p:sp>
+        <p:nvSpPr>
+          <p:cNvPr id="3" name="내용 개체 틀 2"/>
+          <p:cNvSpPr>
+            <a:spLocks noGrp="1"/>
+          </p:cNvSpPr>
+          <p:nvPr>
+            <p:ph idx="1"/>
+          </p:nvPr>
+        </p:nvSpPr>
+        <p:spPr>
+          <a:xfrm>
+            <a:off x="5266944" y="2743200"/>
+            <a:ext cx="6400800" cy="4291584"/>
+          </a:xfrm>
+        </p:spPr>
+        <p:txBody>
+          <a:bodyPr/>
+          <a:lstStyle/>
+          <a:p>
+            <a:r>
+              <a:rPr lang="ko-KR" altLang="en-US" smtClean="0"/>
+              <a:t>분석할 </a:t>
+            </a:r>
+            <a:r>
+              <a:rPr lang="en-US" altLang="ko-KR" smtClean="0"/>
+              <a:t>CSV</a:t>
+            </a:r>
+            <a:r>
+              <a:rPr lang="ko-KR" altLang="en-US" smtClean="0"/>
+              <a:t>파일을 읽어들인 후 한줄씩 읽는다</a:t>
+            </a:r>
+            <a:r>
+              <a:rPr lang="en-US" altLang="ko-KR" smtClean="0"/>
+              <a:t>.</a:t>
+            </a:r>
+          </a:p>
+          <a:p>
+            <a:pPr marL="0" indent="0">
+              <a:buNone/>
+            </a:pPr>
+            <a:r>
+              <a:rPr lang="ko-KR" altLang="en-US" smtClean="0"/>
+              <a:t>각 줄을 </a:t>
+            </a:r>
+            <a:r>
+              <a:rPr lang="en-US" altLang="ko-KR" smtClean="0"/>
+              <a:t>,</a:t>
+            </a:r>
+            <a:r>
+              <a:rPr lang="ko-KR" altLang="en-US" smtClean="0"/>
+              <a:t>로 나눈다</a:t>
+            </a:r>
+            <a:r>
+              <a:rPr lang="en-US" altLang="ko-KR" smtClean="0"/>
+              <a:t>. </a:t>
+            </a:r>
+            <a:r>
+              <a:rPr lang="ko-KR" altLang="en-US" smtClean="0"/>
+              <a:t>권종 별 판매현황 분석을 위하여 주간권일 때와 야간권일 때를 나누어 티켓 수량을 각 변수에 더하고 총 판매량을 누적한다</a:t>
+            </a:r>
+            <a:r>
+              <a:rPr lang="en-US" altLang="ko-KR" smtClean="0"/>
+              <a:t>.</a:t>
+            </a:r>
+            <a:endParaRPr lang="ko-KR" altLang="en-US"/>
+          </a:p>
+        </p:txBody>
+      </p:sp>
+      <p:sp>
+        <p:nvSpPr>
+          <p:cNvPr id="4" name="TextBox 3"/>
+          <p:cNvSpPr txBox="1"/>
+          <p:nvPr/>
+        </p:nvSpPr>
+        <p:spPr>
+          <a:xfrm>
+            <a:off x="4286250" y="868680"/>
+            <a:ext cx="7219950" cy="707886"/>
+          </a:xfrm>
+          <a:prstGeom prst="rect">
+            <a:avLst/>
+          </a:prstGeom>
+          <a:noFill/>
+        </p:spPr>
+        <p:txBody>
+          <a:bodyPr wrap="square" rtlCol="0">
+            <a:spAutoFit/>
+          </a:bodyPr>
+          <a:lstStyle/>
+          <a:p>
+            <a:pPr algn="r"/>
+            <a:r>
+              <a:rPr lang="en-US" altLang="ko-KR" sz="4000" smtClean="0"/>
+              <a:t>ReadCSV</a:t>
+            </a:r>
+            <a:endParaRPr lang="ko-KR" altLang="en-US" sz="4000"/>
+          </a:p>
+        </p:txBody>
+      </p:sp>
+      <p:pic>
+        <p:nvPicPr>
+          <p:cNvPr id="6" name="그림 5"/>
+          <p:cNvPicPr>
+            <a:picLocks noChangeAspect="1"/>
+          </p:cNvPicPr>
+          <p:nvPr/>
+        </p:nvPicPr>
+        <p:blipFill>
+          <a:blip r:embed="rId2"/>
+          <a:stretch>
+            <a:fillRect/>
+          </a:stretch>
+        </p:blipFill>
+        <p:spPr>
+          <a:xfrm>
+            <a:off x="415480" y="0"/>
+            <a:ext cx="4536615" cy="2571750"/>
+          </a:xfrm>
+          <a:prstGeom prst="rect">
+            <a:avLst/>
+          </a:prstGeom>
+        </p:spPr>
+      </p:pic>
+      <p:pic>
+        <p:nvPicPr>
+          <p:cNvPr id="7" name="그림 6"/>
+          <p:cNvPicPr>
+            <a:picLocks noChangeAspect="1"/>
+          </p:cNvPicPr>
+          <p:nvPr/>
+        </p:nvPicPr>
+        <p:blipFill>
+          <a:blip r:embed="rId3"/>
+          <a:stretch>
+            <a:fillRect/>
+          </a:stretch>
+        </p:blipFill>
+        <p:spPr>
+          <a:xfrm>
+            <a:off x="415480" y="2533284"/>
+            <a:ext cx="3990937" cy="4303395"/>
+          </a:xfrm>
+          <a:prstGeom prst="rect">
+            <a:avLst/>
+          </a:prstGeom>
+        </p:spPr>
+      </p:pic>
+    </p:spTree>
+    <p:extLst>
+      <p:ext uri="{BB962C8B-B14F-4D97-AF65-F5344CB8AC3E}">
+        <p14:creationId xmlns:p14="http://schemas.microsoft.com/office/powerpoint/2010/main" val="3698832494"/>
+      </p:ext>
+    </p:extLst>
+  </p:cSld>
+  <p:clrMapOvr>
+    <a:masterClrMapping/>
+  </p:clrMapOvr>
+  <p:timing>
+    <p:tnLst>
+      <p:par>
+        <p:cTn id="1" dur="indefinite" restart="never" nodeType="tmRoot"/>
+      </p:par>
+    </p:tnLst>
+  </p:timing>
+</p:sld>
+</file>
+
+<file path=ppt/slides/slide16.xml><?xml version="1.0" encoding="utf-8"?>
+<p:sld xmlns:a="http://schemas.openxmlformats.org/drawingml/2006/main" xmlns:r="http://schemas.openxmlformats.org/officeDocument/2006/relationships" xmlns:p="http://schemas.openxmlformats.org/presentationml/2006/main">
+  <p:cSld>
+    <p:spTree>
+      <p:nvGrpSpPr>
+        <p:cNvPr id="1" name=""/>
+        <p:cNvGrpSpPr/>
+        <p:nvPr/>
+      </p:nvGrpSpPr>
+      <p:grpSpPr>
+        <a:xfrm>
+          <a:off x="0" y="0"/>
+          <a:ext cx="0" cy="0"/>
+          <a:chOff x="0" y="0"/>
+          <a:chExt cx="0" cy="0"/>
+        </a:xfrm>
+      </p:grpSpPr>
+      <p:sp>
+        <p:nvSpPr>
+          <p:cNvPr id="3" name="내용 개체 틀 2"/>
+          <p:cNvSpPr>
+            <a:spLocks noGrp="1"/>
+          </p:cNvSpPr>
+          <p:nvPr>
+            <p:ph idx="1"/>
+          </p:nvPr>
+        </p:nvSpPr>
+        <p:spPr>
+          <a:xfrm>
+            <a:off x="3584448" y="2833875"/>
+            <a:ext cx="7921752" cy="4024125"/>
+          </a:xfrm>
+        </p:spPr>
+        <p:txBody>
+          <a:bodyPr/>
+          <a:lstStyle/>
+          <a:p>
+            <a:r>
+              <a:rPr lang="en-US" altLang="ko-KR" smtClean="0"/>
+              <a:t>2</a:t>
+            </a:r>
+            <a:r>
+              <a:rPr lang="ko-KR" altLang="en-US" smtClean="0"/>
+              <a:t>차원 배열인 </a:t>
+            </a:r>
+            <a:r>
+              <a:rPr lang="en-US" altLang="ko-KR" smtClean="0"/>
+              <a:t>result </a:t>
+            </a:r>
+            <a:r>
+              <a:rPr lang="ko-KR" altLang="en-US" smtClean="0"/>
+              <a:t>배열에 </a:t>
+            </a:r>
+            <a:r>
+              <a:rPr lang="en-US" altLang="ko-KR" smtClean="0"/>
+              <a:t>i</a:t>
+            </a:r>
+            <a:r>
+              <a:rPr lang="ko-KR" altLang="en-US" smtClean="0"/>
+              <a:t>가 </a:t>
+            </a:r>
+            <a:r>
+              <a:rPr lang="en-US" altLang="ko-KR" smtClean="0"/>
+              <a:t>0</a:t>
+            </a:r>
+            <a:r>
+              <a:rPr lang="ko-KR" altLang="en-US" smtClean="0"/>
+              <a:t>이면 주간 티켓판매 수를 연령대 별로 저장하고 </a:t>
+            </a:r>
+            <a:r>
+              <a:rPr lang="en-US" altLang="ko-KR" smtClean="0"/>
+              <a:t>i</a:t>
+            </a:r>
+            <a:r>
+              <a:rPr lang="ko-KR" altLang="en-US" smtClean="0"/>
+              <a:t>가 </a:t>
+            </a:r>
+            <a:r>
+              <a:rPr lang="en-US" altLang="ko-KR" smtClean="0"/>
+              <a:t>1</a:t>
+            </a:r>
+            <a:r>
+              <a:rPr lang="ko-KR" altLang="en-US" smtClean="0"/>
+              <a:t>일때</a:t>
+            </a:r>
+            <a:r>
+              <a:rPr lang="en-US" altLang="ko-KR" smtClean="0"/>
+              <a:t>, </a:t>
+            </a:r>
+            <a:r>
+              <a:rPr lang="ko-KR" altLang="en-US" smtClean="0"/>
+              <a:t>야간 티켓 판매수를 연령대 별로 저장한다</a:t>
+            </a:r>
+            <a:r>
+              <a:rPr lang="en-US" altLang="ko-KR" smtClean="0"/>
+              <a:t>.</a:t>
+            </a:r>
+            <a:endParaRPr lang="ko-KR" altLang="en-US"/>
+          </a:p>
+        </p:txBody>
+      </p:sp>
+      <p:sp>
+        <p:nvSpPr>
+          <p:cNvPr id="4" name="TextBox 3"/>
+          <p:cNvSpPr txBox="1"/>
+          <p:nvPr/>
+        </p:nvSpPr>
+        <p:spPr>
+          <a:xfrm>
+            <a:off x="4286250" y="868680"/>
+            <a:ext cx="7219950" cy="707886"/>
+          </a:xfrm>
+          <a:prstGeom prst="rect">
+            <a:avLst/>
+          </a:prstGeom>
+          <a:noFill/>
+        </p:spPr>
+        <p:txBody>
+          <a:bodyPr wrap="square" rtlCol="0">
+            <a:spAutoFit/>
+          </a:bodyPr>
+          <a:lstStyle/>
+          <a:p>
+            <a:pPr algn="r"/>
+            <a:r>
+              <a:rPr lang="en-US" altLang="ko-KR" sz="4000" smtClean="0"/>
+              <a:t>ReadCSV</a:t>
+            </a:r>
+            <a:endParaRPr lang="ko-KR" altLang="en-US" sz="4000"/>
+          </a:p>
+        </p:txBody>
+      </p:sp>
+      <p:pic>
+        <p:nvPicPr>
+          <p:cNvPr id="5" name="그림 4"/>
+          <p:cNvPicPr>
+            <a:picLocks noChangeAspect="1"/>
+          </p:cNvPicPr>
+          <p:nvPr/>
+        </p:nvPicPr>
+        <p:blipFill>
+          <a:blip r:embed="rId2"/>
+          <a:stretch>
+            <a:fillRect/>
+          </a:stretch>
+        </p:blipFill>
+        <p:spPr>
+          <a:xfrm>
+            <a:off x="576834" y="0"/>
+            <a:ext cx="2789118" cy="6182296"/>
+          </a:xfrm>
+          <a:prstGeom prst="rect">
+            <a:avLst/>
+          </a:prstGeom>
+        </p:spPr>
+      </p:pic>
+      <p:pic>
+        <p:nvPicPr>
+          <p:cNvPr id="6" name="그림 5"/>
+          <p:cNvPicPr>
+            <a:picLocks noChangeAspect="1"/>
+          </p:cNvPicPr>
+          <p:nvPr/>
+        </p:nvPicPr>
+        <p:blipFill>
+          <a:blip r:embed="rId3"/>
+          <a:stretch>
+            <a:fillRect/>
+          </a:stretch>
+        </p:blipFill>
+        <p:spPr>
+          <a:xfrm>
+            <a:off x="939073" y="6182296"/>
+            <a:ext cx="2064639" cy="512220"/>
+          </a:xfrm>
+          <a:prstGeom prst="rect">
+            <a:avLst/>
+          </a:prstGeom>
+        </p:spPr>
+      </p:pic>
+    </p:spTree>
+    <p:extLst>
+      <p:ext uri="{BB962C8B-B14F-4D97-AF65-F5344CB8AC3E}">
+        <p14:creationId xmlns:p14="http://schemas.microsoft.com/office/powerpoint/2010/main" val="1653125684"/>
+      </p:ext>
+    </p:extLst>
+  </p:cSld>
+  <p:clrMapOvr>
+    <a:masterClrMapping/>
+  </p:clrMapOvr>
+  <p:timing>
+    <p:tnLst>
+      <p:par>
+        <p:cTn id="1" dur="indefinite" restart="never" nodeType="tmRoot"/>
+      </p:par>
+    </p:tnLst>
+  </p:timing>
+</p:sld>
+</file>
+
+<file path=ppt/slides/slide17.xml><?xml version="1.0" encoding="utf-8"?>
+<p:sld xmlns:a="http://schemas.openxmlformats.org/drawingml/2006/main" xmlns:r="http://schemas.openxmlformats.org/officeDocument/2006/relationships" xmlns:p="http://schemas.openxmlformats.org/presentationml/2006/main">
+  <p:cSld>
+    <p:spTree>
+      <p:nvGrpSpPr>
+        <p:cNvPr id="1" name=""/>
+        <p:cNvGrpSpPr/>
+        <p:nvPr/>
+      </p:nvGrpSpPr>
+      <p:grpSpPr>
+        <a:xfrm>
+          <a:off x="0" y="0"/>
+          <a:ext cx="0" cy="0"/>
+          <a:chOff x="0" y="0"/>
+          <a:chExt cx="0" cy="0"/>
+        </a:xfrm>
+      </p:grpSpPr>
+      <p:sp>
+        <p:nvSpPr>
+          <p:cNvPr id="3" name="내용 개체 틀 2"/>
+          <p:cNvSpPr>
+            <a:spLocks noGrp="1"/>
+          </p:cNvSpPr>
+          <p:nvPr>
+            <p:ph idx="1"/>
+          </p:nvPr>
+        </p:nvSpPr>
+        <p:spPr>
+          <a:xfrm>
+            <a:off x="4632960" y="2157984"/>
+            <a:ext cx="7144512" cy="4935093"/>
+          </a:xfrm>
+        </p:spPr>
+        <p:txBody>
+          <a:bodyPr/>
+          <a:lstStyle/>
+          <a:p>
+            <a:r>
+              <a:rPr lang="ko-KR" altLang="en-US" smtClean="0"/>
+              <a:t>날짜별 총 판매금액을 저장하기 위하여 각 줄을 읽을 때 날짜를 </a:t>
+            </a:r>
+            <a:r>
+              <a:rPr lang="en-US" altLang="ko-KR" smtClean="0"/>
+              <a:t>Hashset</a:t>
+            </a:r>
+            <a:r>
+              <a:rPr lang="ko-KR" altLang="en-US" smtClean="0"/>
+              <a:t>에 저장한다 </a:t>
+            </a:r>
+            <a:r>
+              <a:rPr lang="en-US" altLang="ko-KR" smtClean="0"/>
+              <a:t>(</a:t>
+            </a:r>
+            <a:r>
+              <a:rPr lang="ko-KR" altLang="en-US" smtClean="0"/>
+              <a:t>중복제거</a:t>
+            </a:r>
+            <a:r>
+              <a:rPr lang="en-US" altLang="ko-KR" smtClean="0"/>
+              <a:t>)</a:t>
+            </a:r>
+          </a:p>
+          <a:p>
+            <a:r>
+              <a:rPr lang="ko-KR" altLang="en-US" smtClean="0"/>
+              <a:t>우대사항 별 판매분석을 위하여 연령대별 티켓판매수를 </a:t>
+            </a:r>
+            <a:r>
+              <a:rPr lang="en-US" altLang="ko-KR" smtClean="0"/>
+              <a:t>date_dc_count_arr </a:t>
+            </a:r>
+            <a:r>
+              <a:rPr lang="ko-KR" altLang="en-US" smtClean="0"/>
+              <a:t>배열에 저장한다</a:t>
+            </a:r>
+            <a:r>
+              <a:rPr lang="en-US" altLang="ko-KR" smtClean="0"/>
+              <a:t>.</a:t>
+            </a:r>
+          </a:p>
+          <a:p>
+            <a:r>
+              <a:rPr lang="ko-KR" altLang="en-US" smtClean="0"/>
+              <a:t>빈 문자열 </a:t>
+            </a:r>
+            <a:r>
+              <a:rPr lang="en-US" altLang="ko-KR" smtClean="0"/>
+              <a:t>temp</a:t>
+            </a:r>
+            <a:r>
+              <a:rPr lang="ko-KR" altLang="en-US" smtClean="0"/>
+              <a:t>에 날짜와 가격 데이터만을 </a:t>
+            </a:r>
+            <a:r>
+              <a:rPr lang="en-US" altLang="ko-KR" smtClean="0"/>
+              <a:t>,</a:t>
+            </a:r>
+            <a:r>
+              <a:rPr lang="ko-KR" altLang="en-US" smtClean="0"/>
+              <a:t>와 함께 저장하고 </a:t>
+            </a:r>
+            <a:r>
+              <a:rPr lang="en-US" altLang="ko-KR" smtClean="0"/>
+              <a:t>hashset</a:t>
+            </a:r>
+            <a:r>
+              <a:rPr lang="ko-KR" altLang="en-US" smtClean="0"/>
+              <a:t>의 길이만큼 반복문을 통해 </a:t>
+            </a:r>
+            <a:r>
+              <a:rPr lang="en-US" altLang="ko-KR" smtClean="0"/>
+              <a:t>hashset</a:t>
+            </a:r>
+            <a:r>
+              <a:rPr lang="ko-KR" altLang="en-US" smtClean="0"/>
+              <a:t>의 인덱스와 날짜가 같으면 </a:t>
+            </a:r>
+            <a:r>
+              <a:rPr lang="en-US" altLang="ko-KR" smtClean="0"/>
+              <a:t>date_price_arr</a:t>
+            </a:r>
+            <a:r>
+              <a:rPr lang="ko-KR" altLang="en-US" smtClean="0"/>
+              <a:t>에 각 날짜에 해당하는 판매금액을 누적한다</a:t>
+            </a:r>
+            <a:r>
+              <a:rPr lang="en-US" altLang="ko-KR" smtClean="0"/>
+              <a:t>.</a:t>
+            </a:r>
+            <a:endParaRPr lang="ko-KR" altLang="en-US"/>
+          </a:p>
+        </p:txBody>
+      </p:sp>
+      <p:sp>
+        <p:nvSpPr>
+          <p:cNvPr id="4" name="TextBox 3"/>
+          <p:cNvSpPr txBox="1"/>
+          <p:nvPr/>
+        </p:nvSpPr>
+        <p:spPr>
+          <a:xfrm>
+            <a:off x="4286250" y="868680"/>
+            <a:ext cx="7219950" cy="707886"/>
+          </a:xfrm>
+          <a:prstGeom prst="rect">
+            <a:avLst/>
+          </a:prstGeom>
+          <a:noFill/>
+        </p:spPr>
+        <p:txBody>
+          <a:bodyPr wrap="square" rtlCol="0">
+            <a:spAutoFit/>
+          </a:bodyPr>
+          <a:lstStyle/>
+          <a:p>
+            <a:pPr algn="r"/>
+            <a:r>
+              <a:rPr lang="en-US" altLang="ko-KR" sz="4000" smtClean="0"/>
+              <a:t>ReadCSV</a:t>
+            </a:r>
+            <a:endParaRPr lang="ko-KR" altLang="en-US" sz="4000"/>
+          </a:p>
+        </p:txBody>
+      </p:sp>
+      <p:pic>
+        <p:nvPicPr>
+          <p:cNvPr id="5" name="그림 4"/>
+          <p:cNvPicPr>
+            <a:picLocks noChangeAspect="1"/>
+          </p:cNvPicPr>
+          <p:nvPr/>
+        </p:nvPicPr>
+        <p:blipFill>
+          <a:blip r:embed="rId2"/>
+          <a:stretch>
+            <a:fillRect/>
+          </a:stretch>
+        </p:blipFill>
+        <p:spPr>
+          <a:xfrm>
+            <a:off x="115977" y="0"/>
+            <a:ext cx="4170273" cy="6715125"/>
+          </a:xfrm>
+          <a:prstGeom prst="rect">
+            <a:avLst/>
+          </a:prstGeom>
+        </p:spPr>
+      </p:pic>
+    </p:spTree>
+    <p:extLst>
+      <p:ext uri="{BB962C8B-B14F-4D97-AF65-F5344CB8AC3E}">
+        <p14:creationId xmlns:p14="http://schemas.microsoft.com/office/powerpoint/2010/main" val="4181875578"/>
+      </p:ext>
+    </p:extLst>
+  </p:cSld>
+  <p:clrMapOvr>
+    <a:masterClrMapping/>
+  </p:clrMapOvr>
+  <p:timing>
+    <p:tnLst>
+      <p:par>
+        <p:cTn id="1" dur="indefinite" restart="never" nodeType="tmRoot"/>
+      </p:par>
+    </p:tnLst>
+  </p:timing>
+</p:sld>
+</file>
+
+<file path=ppt/slides/slide18.xml><?xml version="1.0" encoding="utf-8"?>
+<p:sld xmlns:a="http://schemas.openxmlformats.org/drawingml/2006/main" xmlns:r="http://schemas.openxmlformats.org/officeDocument/2006/relationships" xmlns:p="http://schemas.openxmlformats.org/presentationml/2006/main">
+  <p:cSld>
+    <p:spTree>
+      <p:nvGrpSpPr>
+        <p:cNvPr id="1" name=""/>
+        <p:cNvGrpSpPr/>
+        <p:nvPr/>
+      </p:nvGrpSpPr>
+      <p:grpSpPr>
+        <a:xfrm>
+          <a:off x="0" y="0"/>
+          <a:ext cx="0" cy="0"/>
+          <a:chOff x="0" y="0"/>
+          <a:chExt cx="0" cy="0"/>
+        </a:xfrm>
+      </p:grpSpPr>
+      <p:sp>
+        <p:nvSpPr>
+          <p:cNvPr id="3" name="내용 개체 틀 2"/>
+          <p:cNvSpPr>
+            <a:spLocks noGrp="1"/>
+          </p:cNvSpPr>
+          <p:nvPr>
+            <p:ph idx="1"/>
+          </p:nvPr>
+        </p:nvSpPr>
+        <p:spPr>
+          <a:xfrm>
+            <a:off x="7327392" y="1755648"/>
+            <a:ext cx="4572000" cy="4906136"/>
+          </a:xfrm>
+        </p:spPr>
+        <p:txBody>
+          <a:bodyPr/>
+          <a:lstStyle/>
+          <a:p>
+            <a:r>
+              <a:rPr lang="ko-KR" altLang="en-US" smtClean="0"/>
+              <a:t>콘솔 출력을 위하여 </a:t>
+            </a:r>
+            <a:r>
+              <a:rPr lang="en-US" altLang="ko-KR" smtClean="0"/>
+              <a:t>ReadCSV</a:t>
+            </a:r>
+            <a:r>
+              <a:rPr lang="ko-KR" altLang="en-US" smtClean="0"/>
+              <a:t>클래스에서 파싱한 데이터들을 인자로 콘솔에 출력하고</a:t>
+            </a:r>
+            <a:r>
+              <a:rPr lang="en-US" altLang="ko-KR" smtClean="0"/>
+              <a:t>, </a:t>
+            </a:r>
+            <a:r>
+              <a:rPr lang="ko-KR" altLang="en-US" smtClean="0"/>
+              <a:t>권종별 판매현황을 저장한 이차원 배열을 인자로 사용하여 새로운 </a:t>
+            </a:r>
+            <a:r>
+              <a:rPr lang="en-US" altLang="ko-KR" smtClean="0"/>
+              <a:t>CSV</a:t>
+            </a:r>
+            <a:r>
+              <a:rPr lang="ko-KR" altLang="en-US" smtClean="0"/>
+              <a:t>를 만든다</a:t>
+            </a:r>
+            <a:r>
+              <a:rPr lang="en-US" altLang="ko-KR" smtClean="0"/>
+              <a:t>.</a:t>
+            </a:r>
+            <a:endParaRPr lang="ko-KR" altLang="en-US"/>
+          </a:p>
+        </p:txBody>
+      </p:sp>
+      <p:sp>
+        <p:nvSpPr>
+          <p:cNvPr id="4" name="TextBox 3"/>
+          <p:cNvSpPr txBox="1"/>
+          <p:nvPr/>
+        </p:nvSpPr>
+        <p:spPr>
+          <a:xfrm>
+            <a:off x="4286250" y="868680"/>
+            <a:ext cx="7219950" cy="707886"/>
+          </a:xfrm>
+          <a:prstGeom prst="rect">
+            <a:avLst/>
+          </a:prstGeom>
+          <a:noFill/>
+        </p:spPr>
+        <p:txBody>
+          <a:bodyPr wrap="square" rtlCol="0">
+            <a:spAutoFit/>
+          </a:bodyPr>
+          <a:lstStyle/>
+          <a:p>
+            <a:pPr algn="r"/>
+            <a:r>
+              <a:rPr lang="en-US" altLang="ko-KR" sz="4000" smtClean="0"/>
+              <a:t>OutputClass</a:t>
+            </a:r>
+            <a:endParaRPr lang="ko-KR" altLang="en-US" sz="4000"/>
+          </a:p>
+        </p:txBody>
+      </p:sp>
+      <p:pic>
+        <p:nvPicPr>
+          <p:cNvPr id="5" name="그림 4"/>
+          <p:cNvPicPr>
+            <a:picLocks noChangeAspect="1"/>
+          </p:cNvPicPr>
+          <p:nvPr/>
+        </p:nvPicPr>
+        <p:blipFill>
+          <a:blip r:embed="rId2"/>
+          <a:stretch>
+            <a:fillRect/>
+          </a:stretch>
+        </p:blipFill>
+        <p:spPr>
+          <a:xfrm>
+            <a:off x="119041" y="207263"/>
+            <a:ext cx="7072334" cy="6454521"/>
+          </a:xfrm>
+          <a:prstGeom prst="rect">
+            <a:avLst/>
+          </a:prstGeom>
+        </p:spPr>
+      </p:pic>
+    </p:spTree>
+    <p:extLst>
+      <p:ext uri="{BB962C8B-B14F-4D97-AF65-F5344CB8AC3E}">
+        <p14:creationId xmlns:p14="http://schemas.microsoft.com/office/powerpoint/2010/main" val="4214099071"/>
+      </p:ext>
+    </p:extLst>
+  </p:cSld>
+  <p:clrMapOvr>
+    <a:masterClrMapping/>
+  </p:clrMapOvr>
+  <p:timing>
+    <p:tnLst>
+      <p:par>
+        <p:cTn id="1" dur="indefinite" restart="never" nodeType="tmRoot"/>
+      </p:par>
+    </p:tnLst>
+  </p:timing>
+</p:sld>
+</file>
+
+<file path=ppt/slides/slide19.xml><?xml version="1.0" encoding="utf-8"?>
+<p:sld xmlns:a="http://schemas.openxmlformats.org/drawingml/2006/main" xmlns:r="http://schemas.openxmlformats.org/officeDocument/2006/relationships" xmlns:p="http://schemas.openxmlformats.org/presentationml/2006/main">
+  <p:cSld>
+    <p:spTree>
+      <p:nvGrpSpPr>
+        <p:cNvPr id="1" name=""/>
+        <p:cNvGrpSpPr/>
+        <p:nvPr/>
+      </p:nvGrpSpPr>
+      <p:grpSpPr>
+        <a:xfrm>
+          <a:off x="0" y="0"/>
+          <a:ext cx="0" cy="0"/>
+          <a:chOff x="0" y="0"/>
+          <a:chExt cx="0" cy="0"/>
+        </a:xfrm>
+      </p:grpSpPr>
+      <p:sp>
+        <p:nvSpPr>
+          <p:cNvPr id="3" name="내용 개체 틀 2"/>
+          <p:cNvSpPr>
+            <a:spLocks noGrp="1"/>
+          </p:cNvSpPr>
+          <p:nvPr>
+            <p:ph idx="1"/>
+          </p:nvPr>
+        </p:nvSpPr>
+        <p:spPr>
+          <a:xfrm>
+            <a:off x="7339584" y="2523744"/>
+            <a:ext cx="4401312" cy="4803648"/>
+          </a:xfrm>
+        </p:spPr>
+        <p:txBody>
+          <a:bodyPr/>
+          <a:lstStyle/>
+          <a:p>
+            <a:r>
+              <a:rPr lang="ko-KR" altLang="en-US" smtClean="0"/>
+              <a:t>일자별 총 매출과 우대사항별 판매현황을 콘솔과 </a:t>
+            </a:r>
+            <a:r>
+              <a:rPr lang="en-US" altLang="ko-KR" smtClean="0"/>
+              <a:t>CSV</a:t>
+            </a:r>
+            <a:r>
+              <a:rPr lang="ko-KR" altLang="en-US" smtClean="0"/>
+              <a:t>로 저장한다</a:t>
+            </a:r>
+            <a:r>
+              <a:rPr lang="en-US" altLang="ko-KR" smtClean="0"/>
+              <a:t>.</a:t>
+            </a:r>
+            <a:endParaRPr lang="ko-KR" altLang="en-US"/>
+          </a:p>
+        </p:txBody>
+      </p:sp>
+      <p:pic>
+        <p:nvPicPr>
+          <p:cNvPr id="4" name="그림 3"/>
+          <p:cNvPicPr>
+            <a:picLocks noChangeAspect="1"/>
+          </p:cNvPicPr>
+          <p:nvPr/>
+        </p:nvPicPr>
+        <p:blipFill>
+          <a:blip r:embed="rId2"/>
+          <a:stretch>
+            <a:fillRect/>
+          </a:stretch>
+        </p:blipFill>
+        <p:spPr>
+          <a:xfrm>
+            <a:off x="282130" y="1478655"/>
+            <a:ext cx="6817805" cy="4195572"/>
+          </a:xfrm>
+          <a:prstGeom prst="rect">
+            <a:avLst/>
+          </a:prstGeom>
+        </p:spPr>
+      </p:pic>
+      <p:sp>
+        <p:nvSpPr>
+          <p:cNvPr id="5" name="TextBox 4"/>
+          <p:cNvSpPr txBox="1"/>
+          <p:nvPr/>
+        </p:nvSpPr>
+        <p:spPr>
+          <a:xfrm>
+            <a:off x="4286250" y="868680"/>
+            <a:ext cx="7219950" cy="707886"/>
+          </a:xfrm>
+          <a:prstGeom prst="rect">
+            <a:avLst/>
+          </a:prstGeom>
+          <a:noFill/>
+        </p:spPr>
+        <p:txBody>
+          <a:bodyPr wrap="square" rtlCol="0">
+            <a:spAutoFit/>
+          </a:bodyPr>
+          <a:lstStyle/>
+          <a:p>
+            <a:pPr algn="r"/>
+            <a:r>
+              <a:rPr lang="en-US" altLang="ko-KR" sz="4000" smtClean="0"/>
+              <a:t>OutputClass</a:t>
+            </a:r>
+            <a:endParaRPr lang="ko-KR" altLang="en-US" sz="4000"/>
+          </a:p>
+        </p:txBody>
+      </p:sp>
+    </p:spTree>
+    <p:extLst>
+      <p:ext uri="{BB962C8B-B14F-4D97-AF65-F5344CB8AC3E}">
+        <p14:creationId xmlns:p14="http://schemas.microsoft.com/office/powerpoint/2010/main" val="3118203094"/>
+      </p:ext>
+    </p:extLst>
+  </p:cSld>
+  <p:clrMapOvr>
+    <a:masterClrMapping/>
+  </p:clrMapOvr>
+  <p:timing>
+    <p:tnLst>
+      <p:par>
+        <p:cTn id="1" dur="indefinite" restart="never" nodeType="tmRoot"/>
+      </p:par>
+    </p:tnLst>
+  </p:timing>
+</p:sld>
+</file>
+
 <file path=ppt/slides/slide2.xml><?xml version="1.0" encoding="utf-8"?>
 <p:sld xmlns:a="http://schemas.openxmlformats.org/drawingml/2006/main" xmlns:r="http://schemas.openxmlformats.org/officeDocument/2006/relationships" xmlns:p="http://schemas.openxmlformats.org/presentationml/2006/main">
   <p:cSld>
@@ -6370,6 +7513,145 @@
     <p:extLst>
       <p:ext uri="{BB962C8B-B14F-4D97-AF65-F5344CB8AC3E}">
         <p14:creationId xmlns:p14="http://schemas.microsoft.com/office/powerpoint/2010/main" val="2554398570"/>
+      </p:ext>
+    </p:extLst>
+  </p:cSld>
+  <p:clrMapOvr>
+    <a:masterClrMapping/>
+  </p:clrMapOvr>
+  <p:timing>
+    <p:tnLst>
+      <p:par>
+        <p:cTn id="1" dur="indefinite" restart="never" nodeType="tmRoot"/>
+      </p:par>
+    </p:tnLst>
+  </p:timing>
+</p:sld>
+</file>
+
+<file path=ppt/slides/slide20.xml><?xml version="1.0" encoding="utf-8"?>
+<p:sld xmlns:a="http://schemas.openxmlformats.org/drawingml/2006/main" xmlns:r="http://schemas.openxmlformats.org/officeDocument/2006/relationships" xmlns:p="http://schemas.openxmlformats.org/presentationml/2006/main">
+  <p:cSld>
+    <p:spTree>
+      <p:nvGrpSpPr>
+        <p:cNvPr id="1" name=""/>
+        <p:cNvGrpSpPr/>
+        <p:nvPr/>
+      </p:nvGrpSpPr>
+      <p:grpSpPr>
+        <a:xfrm>
+          <a:off x="0" y="0"/>
+          <a:ext cx="0" cy="0"/>
+          <a:chOff x="0" y="0"/>
+          <a:chExt cx="0" cy="0"/>
+        </a:xfrm>
+      </p:grpSpPr>
+      <p:sp>
+        <p:nvSpPr>
+          <p:cNvPr id="3" name="내용 개체 틀 2"/>
+          <p:cNvSpPr>
+            <a:spLocks noGrp="1"/>
+          </p:cNvSpPr>
+          <p:nvPr>
+            <p:ph idx="1"/>
+          </p:nvPr>
+        </p:nvSpPr>
+        <p:spPr>
+          <a:xfrm>
+            <a:off x="6827520" y="2334768"/>
+            <a:ext cx="4678680" cy="4523232"/>
+          </a:xfrm>
+        </p:spPr>
+        <p:txBody>
+          <a:bodyPr/>
+          <a:lstStyle/>
+          <a:p>
+            <a:r>
+              <a:rPr lang="ko-KR" altLang="en-US" smtClean="0"/>
+              <a:t>권종별 판매현황을 이차원 배열에 저장하여 콘솔에 출력하고 </a:t>
+            </a:r>
+            <a:endParaRPr lang="en-US" altLang="ko-KR" smtClean="0"/>
+          </a:p>
+          <a:p>
+            <a:r>
+              <a:rPr lang="ko-KR" altLang="en-US" smtClean="0"/>
+              <a:t>일자별 판매현황과 우대사항 별 판매현황은 </a:t>
+            </a:r>
+            <a:r>
+              <a:rPr lang="en-US" altLang="ko-KR" smtClean="0"/>
+              <a:t>READCSV</a:t>
+            </a:r>
+            <a:r>
+              <a:rPr lang="ko-KR" altLang="en-US" smtClean="0"/>
+              <a:t>에서 데이터를 파싱하면서 콘솔에 출력하였다</a:t>
+            </a:r>
+            <a:r>
+              <a:rPr lang="en-US" altLang="ko-KR" smtClean="0"/>
+              <a:t>.</a:t>
+            </a:r>
+            <a:endParaRPr lang="ko-KR" altLang="en-US"/>
+          </a:p>
+        </p:txBody>
+      </p:sp>
+      <p:sp>
+        <p:nvSpPr>
+          <p:cNvPr id="4" name="TextBox 3"/>
+          <p:cNvSpPr txBox="1"/>
+          <p:nvPr/>
+        </p:nvSpPr>
+        <p:spPr>
+          <a:xfrm>
+            <a:off x="4286250" y="868680"/>
+            <a:ext cx="7219950" cy="707886"/>
+          </a:xfrm>
+          <a:prstGeom prst="rect">
+            <a:avLst/>
+          </a:prstGeom>
+          <a:noFill/>
+        </p:spPr>
+        <p:txBody>
+          <a:bodyPr wrap="square" rtlCol="0">
+            <a:spAutoFit/>
+          </a:bodyPr>
+          <a:lstStyle/>
+          <a:p>
+            <a:pPr algn="r"/>
+            <a:r>
+              <a:rPr lang="en-US" altLang="ko-KR" sz="4000" smtClean="0"/>
+              <a:t>Main</a:t>
+            </a:r>
+            <a:endParaRPr lang="ko-KR" altLang="en-US" sz="4000"/>
+          </a:p>
+        </p:txBody>
+      </p:sp>
+      <p:pic>
+        <p:nvPicPr>
+          <p:cNvPr id="5" name="그림 4"/>
+          <p:cNvPicPr>
+            <a:picLocks noChangeAspect="1"/>
+          </p:cNvPicPr>
+          <p:nvPr/>
+        </p:nvPicPr>
+        <p:blipFill>
+          <a:blip r:embed="rId2"/>
+          <a:stretch>
+            <a:fillRect/>
+          </a:stretch>
+        </p:blipFill>
+        <p:spPr>
+          <a:xfrm>
+            <a:off x="224980" y="2194560"/>
+            <a:ext cx="6240054" cy="2653665"/>
+          </a:xfrm>
+          <a:prstGeom prst="rect">
+            <a:avLst/>
+          </a:prstGeom>
+        </p:spPr>
+      </p:pic>
+    </p:spTree>
+    <p:extLst>
+      <p:ext uri="{BB962C8B-B14F-4D97-AF65-F5344CB8AC3E}">
+        <p14:creationId xmlns:p14="http://schemas.microsoft.com/office/powerpoint/2010/main" val="1147315862"/>
       </p:ext>
     </p:extLst>
   </p:cSld>
@@ -6420,7 +7702,11 @@
           <a:p>
             <a:r>
               <a:rPr lang="ko-KR" altLang="en-US" smtClean="0"/>
-              <a:t>클래스 구성</a:t>
+              <a:t>클래스 </a:t>
+            </a:r>
+            <a:r>
+              <a:rPr lang="ko-KR" altLang="en-US" smtClean="0"/>
+              <a:t>구성</a:t>
             </a:r>
             <a:endParaRPr lang="ko-KR" altLang="en-US"/>
           </a:p>
